--- a/git및github첫걸음-원격저장소이용.pptx
+++ b/git및github첫걸음-원격저장소이용.pptx
@@ -25607,7 +25607,7 @@
         </p:blipFill>
         <p:spPr>
           <a:xfrm>
-            <a:off x="309562" y="2337707"/>
+            <a:off x="309562" y="2696934"/>
             <a:ext cx="8524875" cy="2400300"/>
           </a:xfrm>
           <a:prstGeom prst="rect">
@@ -26404,7 +26404,7 @@
         </p:blipFill>
         <p:spPr>
           <a:xfrm>
-            <a:off x="1190285" y="2081039"/>
+            <a:off x="1190285" y="2581783"/>
             <a:ext cx="6763430" cy="3422369"/>
           </a:xfrm>
           <a:prstGeom prst="rect">
